--- a/Docs/Dilshad_Caretaker_Intelligence_ArtificialConsciousness.pptx
+++ b/Docs/Dilshad_Caretaker_Intelligence_ArtificialConsciousness.pptx
@@ -10,6 +10,8 @@
     <p:sldId id="258" r:id="rId5"/>
     <p:sldId id="259" r:id="rId6"/>
     <p:sldId id="260" r:id="rId7"/>
+    <p:sldId id="261" r:id="rId8"/>
+    <p:sldId id="262" r:id="rId9"/>
   </p:sldIdLst>
   <p:sldSz cx="10080625" cy="7559675"/>
   <p:notesSz cx="7559675" cy="10691812"/>
@@ -68,7 +70,7 @@
         <p:spPr>
           <a:xfrm>
             <a:off x="504000" y="301320"/>
-            <a:ext cx="9071280" cy="1261080"/>
+            <a:ext cx="9072000" cy="1261800"/>
           </a:xfrm>
           <a:prstGeom prst="rect">
             <a:avLst/>
@@ -97,7 +99,7 @@
         <p:spPr>
           <a:xfrm>
             <a:off x="504000" y="1768680"/>
-            <a:ext cx="9071640" cy="2090880"/>
+            <a:ext cx="9072000" cy="2090880"/>
           </a:xfrm>
           <a:prstGeom prst="rect">
             <a:avLst/>
@@ -127,7 +129,7 @@
         <p:spPr>
           <a:xfrm>
             <a:off x="504000" y="4058640"/>
-            <a:ext cx="9071640" cy="2090880"/>
+            <a:ext cx="9072000" cy="2090880"/>
           </a:xfrm>
           <a:prstGeom prst="rect">
             <a:avLst/>
@@ -179,7 +181,7 @@
         <p:spPr>
           <a:xfrm>
             <a:off x="504000" y="301320"/>
-            <a:ext cx="9071280" cy="1261080"/>
+            <a:ext cx="9072000" cy="1261800"/>
           </a:xfrm>
           <a:prstGeom prst="rect">
             <a:avLst/>
@@ -350,7 +352,7 @@
         <p:spPr>
           <a:xfrm>
             <a:off x="504000" y="301320"/>
-            <a:ext cx="9071280" cy="1261080"/>
+            <a:ext cx="9072000" cy="1261800"/>
           </a:xfrm>
           <a:prstGeom prst="rect">
             <a:avLst/>
@@ -379,7 +381,7 @@
         <p:spPr>
           <a:xfrm>
             <a:off x="504000" y="1768680"/>
-            <a:ext cx="2920680" cy="2090880"/>
+            <a:ext cx="2921040" cy="2090880"/>
           </a:xfrm>
           <a:prstGeom prst="rect">
             <a:avLst/>
@@ -408,8 +410,8 @@
         </p:nvSpPr>
         <p:spPr>
           <a:xfrm>
-            <a:off x="3571200" y="1768680"/>
-            <a:ext cx="2920680" cy="2090880"/>
+            <a:off x="3571560" y="1768680"/>
+            <a:ext cx="2921040" cy="2090880"/>
           </a:xfrm>
           <a:prstGeom prst="rect">
             <a:avLst/>
@@ -438,8 +440,8 @@
         </p:nvSpPr>
         <p:spPr>
           <a:xfrm>
-            <a:off x="6638040" y="1768680"/>
-            <a:ext cx="2920680" cy="2090880"/>
+            <a:off x="6639120" y="1768680"/>
+            <a:ext cx="2921040" cy="2090880"/>
           </a:xfrm>
           <a:prstGeom prst="rect">
             <a:avLst/>
@@ -469,7 +471,7 @@
         <p:spPr>
           <a:xfrm>
             <a:off x="504000" y="4058640"/>
-            <a:ext cx="2920680" cy="2090880"/>
+            <a:ext cx="2921040" cy="2090880"/>
           </a:xfrm>
           <a:prstGeom prst="rect">
             <a:avLst/>
@@ -498,8 +500,8 @@
         </p:nvSpPr>
         <p:spPr>
           <a:xfrm>
-            <a:off x="3571200" y="4058640"/>
-            <a:ext cx="2920680" cy="2090880"/>
+            <a:off x="3571560" y="4058640"/>
+            <a:ext cx="2921040" cy="2090880"/>
           </a:xfrm>
           <a:prstGeom prst="rect">
             <a:avLst/>
@@ -528,8 +530,8 @@
         </p:nvSpPr>
         <p:spPr>
           <a:xfrm>
-            <a:off x="6638040" y="4058640"/>
-            <a:ext cx="2920680" cy="2090880"/>
+            <a:off x="6639120" y="4058640"/>
+            <a:ext cx="2921040" cy="2090880"/>
           </a:xfrm>
           <a:prstGeom prst="rect">
             <a:avLst/>
@@ -581,7 +583,7 @@
         <p:spPr>
           <a:xfrm>
             <a:off x="504000" y="301320"/>
-            <a:ext cx="9071280" cy="1261080"/>
+            <a:ext cx="9072000" cy="1261800"/>
           </a:xfrm>
           <a:prstGeom prst="rect">
             <a:avLst/>
@@ -610,7 +612,7 @@
         <p:spPr>
           <a:xfrm>
             <a:off x="504000" y="1768680"/>
-            <a:ext cx="9071640" cy="4383720"/>
+            <a:ext cx="9072000" cy="4384080"/>
           </a:xfrm>
           <a:prstGeom prst="rect">
             <a:avLst/>
@@ -661,7 +663,7 @@
         <p:spPr>
           <a:xfrm>
             <a:off x="504000" y="301320"/>
-            <a:ext cx="9071280" cy="1261080"/>
+            <a:ext cx="9072000" cy="1261800"/>
           </a:xfrm>
           <a:prstGeom prst="rect">
             <a:avLst/>
@@ -690,7 +692,7 @@
         <p:spPr>
           <a:xfrm>
             <a:off x="504000" y="1768680"/>
-            <a:ext cx="9071640" cy="4383720"/>
+            <a:ext cx="9072000" cy="4384080"/>
           </a:xfrm>
           <a:prstGeom prst="rect">
             <a:avLst/>
@@ -742,7 +744,7 @@
         <p:spPr>
           <a:xfrm>
             <a:off x="504000" y="301320"/>
-            <a:ext cx="9071280" cy="1261080"/>
+            <a:ext cx="9072000" cy="1261800"/>
           </a:xfrm>
           <a:prstGeom prst="rect">
             <a:avLst/>
@@ -771,7 +773,7 @@
         <p:spPr>
           <a:xfrm>
             <a:off x="504000" y="1768680"/>
-            <a:ext cx="4426920" cy="4383720"/>
+            <a:ext cx="4426920" cy="4384080"/>
           </a:xfrm>
           <a:prstGeom prst="rect">
             <a:avLst/>
@@ -801,7 +803,7 @@
         <p:spPr>
           <a:xfrm>
             <a:off x="5152680" y="1768680"/>
-            <a:ext cx="4426920" cy="4383720"/>
+            <a:ext cx="4426920" cy="4384080"/>
           </a:xfrm>
           <a:prstGeom prst="rect">
             <a:avLst/>
@@ -853,7 +855,7 @@
         <p:spPr>
           <a:xfrm>
             <a:off x="504000" y="301320"/>
-            <a:ext cx="9071280" cy="1261080"/>
+            <a:ext cx="9072000" cy="1261800"/>
           </a:xfrm>
           <a:prstGeom prst="rect">
             <a:avLst/>
@@ -904,7 +906,7 @@
         <p:spPr>
           <a:xfrm>
             <a:off x="504000" y="301320"/>
-            <a:ext cx="9071280" cy="5846760"/>
+            <a:ext cx="9072000" cy="5850360"/>
           </a:xfrm>
           <a:prstGeom prst="rect">
             <a:avLst/>
@@ -955,7 +957,7 @@
         <p:spPr>
           <a:xfrm>
             <a:off x="504000" y="301320"/>
-            <a:ext cx="9071280" cy="1261080"/>
+            <a:ext cx="9072000" cy="1261800"/>
           </a:xfrm>
           <a:prstGeom prst="rect">
             <a:avLst/>
@@ -1014,7 +1016,7 @@
         <p:spPr>
           <a:xfrm>
             <a:off x="5152680" y="1768680"/>
-            <a:ext cx="4426920" cy="4383720"/>
+            <a:ext cx="4426920" cy="4384080"/>
           </a:xfrm>
           <a:prstGeom prst="rect">
             <a:avLst/>
@@ -1096,7 +1098,7 @@
         <p:spPr>
           <a:xfrm>
             <a:off x="504000" y="301320"/>
-            <a:ext cx="9071280" cy="1261080"/>
+            <a:ext cx="9072000" cy="1261800"/>
           </a:xfrm>
           <a:prstGeom prst="rect">
             <a:avLst/>
@@ -1125,7 +1127,7 @@
         <p:spPr>
           <a:xfrm>
             <a:off x="504000" y="1768680"/>
-            <a:ext cx="4426920" cy="4383720"/>
+            <a:ext cx="4426920" cy="4384080"/>
           </a:xfrm>
           <a:prstGeom prst="rect">
             <a:avLst/>
@@ -1237,7 +1239,7 @@
         <p:spPr>
           <a:xfrm>
             <a:off x="504000" y="301320"/>
-            <a:ext cx="9071280" cy="1261080"/>
+            <a:ext cx="9072000" cy="1261800"/>
           </a:xfrm>
           <a:prstGeom prst="rect">
             <a:avLst/>
@@ -1326,7 +1328,7 @@
         <p:spPr>
           <a:xfrm>
             <a:off x="504000" y="4058640"/>
-            <a:ext cx="9071640" cy="2090880"/>
+            <a:ext cx="9072000" cy="2090880"/>
           </a:xfrm>
           <a:prstGeom prst="rect">
             <a:avLst/>
@@ -1385,7 +1387,7 @@
         <p:spPr>
           <a:xfrm>
             <a:off x="504000" y="301320"/>
-            <a:ext cx="9071280" cy="1261080"/>
+            <a:ext cx="9072000" cy="1261800"/>
           </a:xfrm>
           <a:prstGeom prst="rect">
             <a:avLst/>
@@ -1394,13 +1396,116 @@
         <p:txBody>
           <a:bodyPr lIns="0" rIns="0" tIns="0" bIns="0" anchor="ctr"/>
           <a:p>
-            <a:r>
-              <a:rPr b="0" lang="en-IN" sz="1800" spc="-1" strike="noStrike">
-                <a:latin typeface="Arial"/>
-              </a:rPr>
-              <a:t>Click to edit the title text format</a:t>
-            </a:r>
-            <a:endParaRPr b="0" lang="en-IN" sz="1800" spc="-1" strike="noStrike">
+            <a:pPr algn="ctr"/>
+            <a:r>
+              <a:rPr b="0" lang="en-IN" sz="4400" spc="-1" strike="noStrike">
+                <a:latin typeface="Arial"/>
+              </a:rPr>
+              <a:t>C</a:t>
+            </a:r>
+            <a:r>
+              <a:rPr b="0" lang="en-IN" sz="4400" spc="-1" strike="noStrike">
+                <a:latin typeface="Arial"/>
+              </a:rPr>
+              <a:t>li</a:t>
+            </a:r>
+            <a:r>
+              <a:rPr b="0" lang="en-IN" sz="4400" spc="-1" strike="noStrike">
+                <a:latin typeface="Arial"/>
+              </a:rPr>
+              <a:t>c</a:t>
+            </a:r>
+            <a:r>
+              <a:rPr b="0" lang="en-IN" sz="4400" spc="-1" strike="noStrike">
+                <a:latin typeface="Arial"/>
+              </a:rPr>
+              <a:t>k </a:t>
+            </a:r>
+            <a:r>
+              <a:rPr b="0" lang="en-IN" sz="4400" spc="-1" strike="noStrike">
+                <a:latin typeface="Arial"/>
+              </a:rPr>
+              <a:t>to </a:t>
+            </a:r>
+            <a:r>
+              <a:rPr b="0" lang="en-IN" sz="4400" spc="-1" strike="noStrike">
+                <a:latin typeface="Arial"/>
+              </a:rPr>
+              <a:t>e</a:t>
+            </a:r>
+            <a:r>
+              <a:rPr b="0" lang="en-IN" sz="4400" spc="-1" strike="noStrike">
+                <a:latin typeface="Arial"/>
+              </a:rPr>
+              <a:t>di</a:t>
+            </a:r>
+            <a:r>
+              <a:rPr b="0" lang="en-IN" sz="4400" spc="-1" strike="noStrike">
+                <a:latin typeface="Arial"/>
+              </a:rPr>
+              <a:t>t </a:t>
+            </a:r>
+            <a:r>
+              <a:rPr b="0" lang="en-IN" sz="4400" spc="-1" strike="noStrike">
+                <a:latin typeface="Arial"/>
+              </a:rPr>
+              <a:t>th</a:t>
+            </a:r>
+            <a:r>
+              <a:rPr b="0" lang="en-IN" sz="4400" spc="-1" strike="noStrike">
+                <a:latin typeface="Arial"/>
+              </a:rPr>
+              <a:t>e </a:t>
+            </a:r>
+            <a:r>
+              <a:rPr b="0" lang="en-IN" sz="4400" spc="-1" strike="noStrike">
+                <a:latin typeface="Arial"/>
+              </a:rPr>
+              <a:t>tit</a:t>
+            </a:r>
+            <a:r>
+              <a:rPr b="0" lang="en-IN" sz="4400" spc="-1" strike="noStrike">
+                <a:latin typeface="Arial"/>
+              </a:rPr>
+              <a:t>le </a:t>
+            </a:r>
+            <a:r>
+              <a:rPr b="0" lang="en-IN" sz="4400" spc="-1" strike="noStrike">
+                <a:latin typeface="Arial"/>
+              </a:rPr>
+              <a:t>te</a:t>
+            </a:r>
+            <a:r>
+              <a:rPr b="0" lang="en-IN" sz="4400" spc="-1" strike="noStrike">
+                <a:latin typeface="Arial"/>
+              </a:rPr>
+              <a:t>xt </a:t>
+            </a:r>
+            <a:r>
+              <a:rPr b="0" lang="en-IN" sz="4400" spc="-1" strike="noStrike">
+                <a:latin typeface="Arial"/>
+              </a:rPr>
+              <a:t>fo</a:t>
+            </a:r>
+            <a:r>
+              <a:rPr b="0" lang="en-IN" sz="4400" spc="-1" strike="noStrike">
+                <a:latin typeface="Arial"/>
+              </a:rPr>
+              <a:t>r</a:t>
+            </a:r>
+            <a:r>
+              <a:rPr b="0" lang="en-IN" sz="4400" spc="-1" strike="noStrike">
+                <a:latin typeface="Arial"/>
+              </a:rPr>
+              <a:t>m</a:t>
+            </a:r>
+            <a:r>
+              <a:rPr b="0" lang="en-IN" sz="4400" spc="-1" strike="noStrike">
+                <a:latin typeface="Arial"/>
+              </a:rPr>
+              <a:t>at</a:t>
+            </a:r>
+            <a:endParaRPr b="0" lang="en-IN" sz="4400" spc="-1" strike="noStrike">
               <a:latin typeface="Arial"/>
             </a:endParaRPr>
           </a:p>
@@ -1419,7 +1524,7 @@
         <p:spPr>
           <a:xfrm>
             <a:off x="504000" y="1768680"/>
-            <a:ext cx="9071640" cy="4383720"/>
+            <a:ext cx="9072000" cy="4384080"/>
           </a:xfrm>
           <a:prstGeom prst="rect">
             <a:avLst/>
@@ -1442,12 +1547,12 @@
               <a:buChar char=""/>
             </a:pPr>
             <a:r>
-              <a:rPr b="0" lang="en-IN" sz="1800" spc="-1" strike="noStrike">
+              <a:rPr b="0" lang="en-IN" sz="3200" spc="-1" strike="noStrike">
                 <a:latin typeface="Arial"/>
               </a:rPr>
               <a:t>Click to edit the outline text format</a:t>
             </a:r>
-            <a:endParaRPr b="0" lang="en-IN" sz="1800" spc="-1" strike="noStrike">
+            <a:endParaRPr b="0" lang="en-IN" sz="3200" spc="-1" strike="noStrike">
               <a:latin typeface="Arial"/>
             </a:endParaRPr>
           </a:p>
@@ -1464,12 +1569,12 @@
               <a:buChar char=""/>
             </a:pPr>
             <a:r>
-              <a:rPr b="0" lang="en-IN" sz="1800" spc="-1" strike="noStrike">
+              <a:rPr b="0" lang="en-IN" sz="2800" spc="-1" strike="noStrike">
                 <a:latin typeface="Arial"/>
               </a:rPr>
               <a:t>Second Outline Level</a:t>
             </a:r>
-            <a:endParaRPr b="0" lang="en-IN" sz="1800" spc="-1" strike="noStrike">
+            <a:endParaRPr b="0" lang="en-IN" sz="2800" spc="-1" strike="noStrike">
               <a:latin typeface="Arial"/>
             </a:endParaRPr>
           </a:p>
@@ -1486,12 +1591,12 @@
               <a:buChar char=""/>
             </a:pPr>
             <a:r>
-              <a:rPr b="0" lang="en-IN" sz="1800" spc="-1" strike="noStrike">
+              <a:rPr b="0" lang="en-IN" sz="2400" spc="-1" strike="noStrike">
                 <a:latin typeface="Arial"/>
               </a:rPr>
               <a:t>Third Outline Level</a:t>
             </a:r>
-            <a:endParaRPr b="0" lang="en-IN" sz="1800" spc="-1" strike="noStrike">
+            <a:endParaRPr b="0" lang="en-IN" sz="2400" spc="-1" strike="noStrike">
               <a:latin typeface="Arial"/>
             </a:endParaRPr>
           </a:p>
@@ -1508,12 +1613,12 @@
               <a:buChar char=""/>
             </a:pPr>
             <a:r>
-              <a:rPr b="0" lang="en-IN" sz="1800" spc="-1" strike="noStrike">
+              <a:rPr b="0" lang="en-IN" sz="2000" spc="-1" strike="noStrike">
                 <a:latin typeface="Arial"/>
               </a:rPr>
               <a:t>Fourth Outline Level</a:t>
             </a:r>
-            <a:endParaRPr b="0" lang="en-IN" sz="1800" spc="-1" strike="noStrike">
+            <a:endParaRPr b="0" lang="en-IN" sz="2000" spc="-1" strike="noStrike">
               <a:latin typeface="Arial"/>
             </a:endParaRPr>
           </a:p>
@@ -1530,12 +1635,12 @@
               <a:buChar char=""/>
             </a:pPr>
             <a:r>
-              <a:rPr b="0" lang="en-IN" sz="1800" spc="-1" strike="noStrike">
+              <a:rPr b="0" lang="en-IN" sz="2000" spc="-1" strike="noStrike">
                 <a:latin typeface="Arial"/>
               </a:rPr>
               <a:t>Fifth Outline Level</a:t>
             </a:r>
-            <a:endParaRPr b="0" lang="en-IN" sz="1800" spc="-1" strike="noStrike">
+            <a:endParaRPr b="0" lang="en-IN" sz="2000" spc="-1" strike="noStrike">
               <a:latin typeface="Arial"/>
             </a:endParaRPr>
           </a:p>
@@ -1552,12 +1657,12 @@
               <a:buChar char=""/>
             </a:pPr>
             <a:r>
-              <a:rPr b="0" lang="en-IN" sz="1800" spc="-1" strike="noStrike">
+              <a:rPr b="0" lang="en-IN" sz="2000" spc="-1" strike="noStrike">
                 <a:latin typeface="Arial"/>
               </a:rPr>
               <a:t>Sixth Outline Level</a:t>
             </a:r>
-            <a:endParaRPr b="0" lang="en-IN" sz="1800" spc="-1" strike="noStrike">
+            <a:endParaRPr b="0" lang="en-IN" sz="2000" spc="-1" strike="noStrike">
               <a:latin typeface="Arial"/>
             </a:endParaRPr>
           </a:p>
@@ -1574,12 +1679,12 @@
               <a:buChar char=""/>
             </a:pPr>
             <a:r>
-              <a:rPr b="0" lang="en-IN" sz="1800" spc="-1" strike="noStrike">
+              <a:rPr b="0" lang="en-IN" sz="2000" spc="-1" strike="noStrike">
                 <a:latin typeface="Arial"/>
               </a:rPr>
               <a:t>Seventh Outline Level</a:t>
             </a:r>
-            <a:endParaRPr b="0" lang="en-IN" sz="1800" spc="-1" strike="noStrike">
+            <a:endParaRPr b="0" lang="en-IN" sz="2000" spc="-1" strike="noStrike">
               <a:latin typeface="Arial"/>
             </a:endParaRPr>
           </a:p>
@@ -1631,7 +1736,7 @@
         <p:spPr>
           <a:xfrm>
             <a:off x="287640" y="3350520"/>
-            <a:ext cx="7056000" cy="1064880"/>
+            <a:ext cx="7055640" cy="1064520"/>
           </a:xfrm>
           <a:prstGeom prst="rect">
             <a:avLst/>
@@ -1684,7 +1789,7 @@
         <p:spPr>
           <a:xfrm>
             <a:off x="503640" y="5065560"/>
-            <a:ext cx="1142280" cy="856440"/>
+            <a:ext cx="1141920" cy="856080"/>
           </a:xfrm>
           <a:prstGeom prst="rect">
             <a:avLst/>
@@ -1703,7 +1808,7 @@
         <p:spPr>
           <a:xfrm>
             <a:off x="709200" y="6851520"/>
-            <a:ext cx="5839200" cy="364320"/>
+            <a:ext cx="5838840" cy="363960"/>
           </a:xfrm>
           <a:prstGeom prst="rect">
             <a:avLst/>
@@ -1752,7 +1857,7 @@
         <p:spPr>
           <a:xfrm>
             <a:off x="526680" y="6280200"/>
-            <a:ext cx="4266720" cy="364320"/>
+            <a:ext cx="4266360" cy="363960"/>
           </a:xfrm>
           <a:prstGeom prst="rect">
             <a:avLst/>
@@ -1815,7 +1920,7 @@
         <p:spPr>
           <a:xfrm>
             <a:off x="396000" y="395640"/>
-            <a:ext cx="8181720" cy="2558880"/>
+            <a:ext cx="8181360" cy="2558520"/>
           </a:xfrm>
           <a:prstGeom prst="rect">
             <a:avLst/>
@@ -1953,7 +2058,7 @@
         <p:spPr>
           <a:xfrm>
             <a:off x="343080" y="971640"/>
-            <a:ext cx="9601920" cy="3747600"/>
+            <a:ext cx="9601560" cy="3747240"/>
           </a:xfrm>
           <a:prstGeom prst="rect">
             <a:avLst/>
@@ -2015,7 +2120,57 @@
                 <a:latin typeface="Arial"/>
                 <a:ea typeface="DejaVu Sans"/>
               </a:rPr>
-              <a:t>1) Create and develop Caretaker Theory to research and identify principles of Brain function.</a:t>
+              <a:t>1) Create and develop Caretaker Theory to provide a theory and model for implementing </a:t>
+            </a:r>
+            <a:endParaRPr b="0" lang="en-IN" sz="1800" spc="-1" strike="noStrike">
+              <a:latin typeface="Arial"/>
+            </a:endParaRPr>
+          </a:p>
+          <a:p>
+            <a:pPr>
+              <a:lnSpc>
+                <a:spcPct val="100000"/>
+              </a:lnSpc>
+            </a:pPr>
+            <a:r>
+              <a:rPr b="0" lang="en-IN" sz="1800" spc="-1" strike="noStrike">
+                <a:solidFill>
+                  <a:srgbClr val="000000"/>
+                </a:solidFill>
+                <a:latin typeface="Arial"/>
+                <a:ea typeface="DejaVu Sans"/>
+              </a:rPr>
+              <a:t>Artificial Intelligence and Artificial Consciousness. </a:t>
+            </a:r>
+            <a:endParaRPr b="0" lang="en-IN" sz="1800" spc="-1" strike="noStrike">
+              <a:latin typeface="Arial"/>
+            </a:endParaRPr>
+          </a:p>
+          <a:p>
+            <a:pPr>
+              <a:lnSpc>
+                <a:spcPct val="100000"/>
+              </a:lnSpc>
+            </a:pPr>
+            <a:endParaRPr b="0" lang="en-IN" sz="1800" spc="-1" strike="noStrike">
+              <a:latin typeface="Arial"/>
+            </a:endParaRPr>
+          </a:p>
+          <a:p>
+            <a:pPr>
+              <a:lnSpc>
+                <a:spcPct val="100000"/>
+              </a:lnSpc>
+            </a:pPr>
+            <a:r>
+              <a:rPr b="0" lang="en-IN" sz="1800" spc="-1" strike="noStrike">
+                <a:solidFill>
+                  <a:srgbClr val="000000"/>
+                </a:solidFill>
+                <a:latin typeface="Arial"/>
+                <a:ea typeface="DejaVu Sans"/>
+              </a:rPr>
+              <a:t>2) To research and identify principles of Brain function.</a:t>
             </a:r>
             <a:endParaRPr b="0" lang="en-IN" sz="1800" spc="-1" strike="noStrike">
               <a:latin typeface="Arial"/>
@@ -2202,7 +2357,7 @@
         <p:spPr>
           <a:xfrm>
             <a:off x="709200" y="6851520"/>
-            <a:ext cx="5839200" cy="364320"/>
+            <a:ext cx="5838840" cy="363960"/>
           </a:xfrm>
           <a:prstGeom prst="rect">
             <a:avLst/>
@@ -2300,7 +2455,7 @@
         <p:spPr>
           <a:xfrm>
             <a:off x="709200" y="6851520"/>
-            <a:ext cx="5839200" cy="364320"/>
+            <a:ext cx="5838840" cy="363960"/>
           </a:xfrm>
           <a:prstGeom prst="rect">
             <a:avLst/>
@@ -2349,7 +2504,7 @@
         <p:spPr>
           <a:xfrm>
             <a:off x="597600" y="755640"/>
-            <a:ext cx="9678240" cy="6582240"/>
+            <a:ext cx="9677880" cy="6581880"/>
           </a:xfrm>
           <a:prstGeom prst="rect">
             <a:avLst/>
@@ -2398,7 +2553,7 @@
             </a:endParaRPr>
           </a:p>
           <a:p>
-            <a:pPr marL="343080" indent="-342360">
+            <a:pPr marL="343080" indent="-342000">
               <a:lnSpc>
                 <a:spcPct val="100000"/>
               </a:lnSpc>
@@ -2423,7 +2578,7 @@
             </a:endParaRPr>
           </a:p>
           <a:p>
-            <a:pPr marL="343080" indent="-342360">
+            <a:pPr marL="343080" indent="-342000">
               <a:lnSpc>
                 <a:spcPct val="100000"/>
               </a:lnSpc>
@@ -2448,7 +2603,7 @@
             </a:endParaRPr>
           </a:p>
           <a:p>
-            <a:pPr marL="343080" indent="-342360">
+            <a:pPr marL="343080" indent="-342000">
               <a:lnSpc>
                 <a:spcPct val="100000"/>
               </a:lnSpc>
@@ -2802,7 +2957,7 @@
         <p:spPr>
           <a:xfrm>
             <a:off x="538200" y="899640"/>
-            <a:ext cx="5757120" cy="8502480"/>
+            <a:ext cx="5756760" cy="8502120"/>
           </a:xfrm>
           <a:prstGeom prst="rect">
             <a:avLst/>
@@ -2851,7 +3006,7 @@
             </a:endParaRPr>
           </a:p>
           <a:p>
-            <a:pPr marL="343080" indent="-342360">
+            <a:pPr marL="343080" indent="-342000">
               <a:lnSpc>
                 <a:spcPct val="100000"/>
               </a:lnSpc>
@@ -2876,7 +3031,7 @@
             </a:endParaRPr>
           </a:p>
           <a:p>
-            <a:pPr marL="343080" indent="-342360">
+            <a:pPr marL="343080" indent="-342000">
               <a:lnSpc>
                 <a:spcPct val="100000"/>
               </a:lnSpc>
@@ -2894,14 +3049,14 @@
                 <a:latin typeface="Arial"/>
                 <a:ea typeface="DejaVu Sans"/>
               </a:rPr>
-              <a:t>Peek-Classify</a:t>
-            </a:r>
-            <a:endParaRPr b="0" lang="en-IN" sz="1800" spc="-1" strike="noStrike">
-              <a:latin typeface="Arial"/>
-            </a:endParaRPr>
-          </a:p>
-          <a:p>
-            <a:pPr marL="343080" indent="-342360">
+              <a:t>What-To-Try</a:t>
+            </a:r>
+            <a:endParaRPr b="0" lang="en-IN" sz="1800" spc="-1" strike="noStrike">
+              <a:latin typeface="Arial"/>
+            </a:endParaRPr>
+          </a:p>
+          <a:p>
+            <a:pPr marL="343080" indent="-342000">
               <a:lnSpc>
                 <a:spcPct val="100000"/>
               </a:lnSpc>
@@ -2919,14 +3074,14 @@
                 <a:latin typeface="Arial"/>
                 <a:ea typeface="DejaVu Sans"/>
               </a:rPr>
-              <a:t>Ask-WhatWhyWhereWhenHow</a:t>
-            </a:r>
-            <a:endParaRPr b="0" lang="en-IN" sz="1800" spc="-1" strike="noStrike">
-              <a:latin typeface="Arial"/>
-            </a:endParaRPr>
-          </a:p>
-          <a:p>
-            <a:pPr marL="343080" indent="-342360">
+              <a:t>Peek-Classify</a:t>
+            </a:r>
+            <a:endParaRPr b="0" lang="en-IN" sz="1800" spc="-1" strike="noStrike">
+              <a:latin typeface="Arial"/>
+            </a:endParaRPr>
+          </a:p>
+          <a:p>
+            <a:pPr marL="343080" indent="-342000">
               <a:lnSpc>
                 <a:spcPct val="100000"/>
               </a:lnSpc>
@@ -2944,14 +3099,14 @@
                 <a:latin typeface="Arial"/>
                 <a:ea typeface="DejaVu Sans"/>
               </a:rPr>
-              <a:t>Answer-Search</a:t>
-            </a:r>
-            <a:endParaRPr b="0" lang="en-IN" sz="1800" spc="-1" strike="noStrike">
-              <a:latin typeface="Arial"/>
-            </a:endParaRPr>
-          </a:p>
-          <a:p>
-            <a:pPr marL="343080" indent="-342360">
+              <a:t>Ask-WhatWhyWhereWhenHow</a:t>
+            </a:r>
+            <a:endParaRPr b="0" lang="en-IN" sz="1800" spc="-1" strike="noStrike">
+              <a:latin typeface="Arial"/>
+            </a:endParaRPr>
+          </a:p>
+          <a:p>
+            <a:pPr marL="343080" indent="-342000">
               <a:lnSpc>
                 <a:spcPct val="100000"/>
               </a:lnSpc>
@@ -2969,14 +3124,14 @@
                 <a:latin typeface="Arial"/>
                 <a:ea typeface="DejaVu Sans"/>
               </a:rPr>
-              <a:t>Do-Action</a:t>
-            </a:r>
-            <a:endParaRPr b="0" lang="en-IN" sz="1800" spc="-1" strike="noStrike">
-              <a:latin typeface="Arial"/>
-            </a:endParaRPr>
-          </a:p>
-          <a:p>
-            <a:pPr marL="343080" indent="-342360">
+              <a:t>Answer-Search</a:t>
+            </a:r>
+            <a:endParaRPr b="0" lang="en-IN" sz="1800" spc="-1" strike="noStrike">
+              <a:latin typeface="Arial"/>
+            </a:endParaRPr>
+          </a:p>
+          <a:p>
+            <a:pPr marL="343080" indent="-342000">
               <a:lnSpc>
                 <a:spcPct val="100000"/>
               </a:lnSpc>
@@ -2994,14 +3149,14 @@
                 <a:latin typeface="Arial"/>
                 <a:ea typeface="DejaVu Sans"/>
               </a:rPr>
-              <a:t>Plan-Ahead</a:t>
-            </a:r>
-            <a:endParaRPr b="0" lang="en-IN" sz="1800" spc="-1" strike="noStrike">
-              <a:latin typeface="Arial"/>
-            </a:endParaRPr>
-          </a:p>
-          <a:p>
-            <a:pPr marL="343080" indent="-342360">
+              <a:t>Do-Action</a:t>
+            </a:r>
+            <a:endParaRPr b="0" lang="en-IN" sz="1800" spc="-1" strike="noStrike">
+              <a:latin typeface="Arial"/>
+            </a:endParaRPr>
+          </a:p>
+          <a:p>
+            <a:pPr marL="343080" indent="-342000">
               <a:lnSpc>
                 <a:spcPct val="100000"/>
               </a:lnSpc>
@@ -3019,14 +3174,14 @@
                 <a:latin typeface="Arial"/>
                 <a:ea typeface="DejaVu Sans"/>
               </a:rPr>
-              <a:t>Plan-Now</a:t>
-            </a:r>
-            <a:endParaRPr b="0" lang="en-IN" sz="1800" spc="-1" strike="noStrike">
-              <a:latin typeface="Arial"/>
-            </a:endParaRPr>
-          </a:p>
-          <a:p>
-            <a:pPr marL="343080" indent="-342360">
+              <a:t>Plan-Ahead</a:t>
+            </a:r>
+            <a:endParaRPr b="0" lang="en-IN" sz="1800" spc="-1" strike="noStrike">
+              <a:latin typeface="Arial"/>
+            </a:endParaRPr>
+          </a:p>
+          <a:p>
+            <a:pPr marL="343080" indent="-342000">
               <a:lnSpc>
                 <a:spcPct val="100000"/>
               </a:lnSpc>
@@ -3044,14 +3199,14 @@
                 <a:latin typeface="Arial"/>
                 <a:ea typeface="DejaVu Sans"/>
               </a:rPr>
-              <a:t>React-Hunger</a:t>
-            </a:r>
-            <a:endParaRPr b="0" lang="en-IN" sz="1800" spc="-1" strike="noStrike">
-              <a:latin typeface="Arial"/>
-            </a:endParaRPr>
-          </a:p>
-          <a:p>
-            <a:pPr marL="343080" indent="-342360">
+              <a:t>Plan-Now</a:t>
+            </a:r>
+            <a:endParaRPr b="0" lang="en-IN" sz="1800" spc="-1" strike="noStrike">
+              <a:latin typeface="Arial"/>
+            </a:endParaRPr>
+          </a:p>
+          <a:p>
+            <a:pPr marL="343080" indent="-342000">
               <a:lnSpc>
                 <a:spcPct val="100000"/>
               </a:lnSpc>
@@ -3069,14 +3224,14 @@
                 <a:latin typeface="Arial"/>
                 <a:ea typeface="DejaVu Sans"/>
               </a:rPr>
-              <a:t>React-Pain</a:t>
-            </a:r>
-            <a:endParaRPr b="0" lang="en-IN" sz="1800" spc="-1" strike="noStrike">
-              <a:latin typeface="Arial"/>
-            </a:endParaRPr>
-          </a:p>
-          <a:p>
-            <a:pPr marL="343080" indent="-342360">
+              <a:t>React-Hunger</a:t>
+            </a:r>
+            <a:endParaRPr b="0" lang="en-IN" sz="1800" spc="-1" strike="noStrike">
+              <a:latin typeface="Arial"/>
+            </a:endParaRPr>
+          </a:p>
+          <a:p>
+            <a:pPr marL="343080" indent="-342000">
               <a:lnSpc>
                 <a:spcPct val="100000"/>
               </a:lnSpc>
@@ -3094,14 +3249,14 @@
                 <a:latin typeface="Arial"/>
                 <a:ea typeface="DejaVu Sans"/>
               </a:rPr>
-              <a:t>React-Joy</a:t>
-            </a:r>
-            <a:endParaRPr b="0" lang="en-IN" sz="1800" spc="-1" strike="noStrike">
-              <a:latin typeface="Arial"/>
-            </a:endParaRPr>
-          </a:p>
-          <a:p>
-            <a:pPr marL="343080" indent="-342360">
+              <a:t>React-Pain</a:t>
+            </a:r>
+            <a:endParaRPr b="0" lang="en-IN" sz="1800" spc="-1" strike="noStrike">
+              <a:latin typeface="Arial"/>
+            </a:endParaRPr>
+          </a:p>
+          <a:p>
+            <a:pPr marL="343080" indent="-342000">
               <a:lnSpc>
                 <a:spcPct val="100000"/>
               </a:lnSpc>
@@ -3119,14 +3274,14 @@
                 <a:latin typeface="Arial"/>
                 <a:ea typeface="DejaVu Sans"/>
               </a:rPr>
-              <a:t>Survive-Danger</a:t>
-            </a:r>
-            <a:endParaRPr b="0" lang="en-IN" sz="1800" spc="-1" strike="noStrike">
-              <a:latin typeface="Arial"/>
-            </a:endParaRPr>
-          </a:p>
-          <a:p>
-            <a:pPr marL="343080" indent="-342360">
+              <a:t>React-Joy</a:t>
+            </a:r>
+            <a:endParaRPr b="0" lang="en-IN" sz="1800" spc="-1" strike="noStrike">
+              <a:latin typeface="Arial"/>
+            </a:endParaRPr>
+          </a:p>
+          <a:p>
+            <a:pPr marL="343080" indent="-342000">
               <a:lnSpc>
                 <a:spcPct val="100000"/>
               </a:lnSpc>
@@ -3144,14 +3299,14 @@
                 <a:latin typeface="Arial"/>
                 <a:ea typeface="DejaVu Sans"/>
               </a:rPr>
-              <a:t>Address-Failure</a:t>
-            </a:r>
-            <a:endParaRPr b="0" lang="en-IN" sz="1800" spc="-1" strike="noStrike">
-              <a:latin typeface="Arial"/>
-            </a:endParaRPr>
-          </a:p>
-          <a:p>
-            <a:pPr marL="343080" indent="-342360">
+              <a:t>Survive-Danger</a:t>
+            </a:r>
+            <a:endParaRPr b="0" lang="en-IN" sz="1800" spc="-1" strike="noStrike">
+              <a:latin typeface="Arial"/>
+            </a:endParaRPr>
+          </a:p>
+          <a:p>
+            <a:pPr marL="343080" indent="-342000">
               <a:lnSpc>
                 <a:spcPct val="100000"/>
               </a:lnSpc>
@@ -3169,14 +3324,14 @@
                 <a:latin typeface="Arial"/>
                 <a:ea typeface="DejaVu Sans"/>
               </a:rPr>
-              <a:t>Memory-Recall</a:t>
-            </a:r>
-            <a:endParaRPr b="0" lang="en-IN" sz="1800" spc="-1" strike="noStrike">
-              <a:latin typeface="Arial"/>
-            </a:endParaRPr>
-          </a:p>
-          <a:p>
-            <a:pPr marL="343080" indent="-342360">
+              <a:t>Address-Failure</a:t>
+            </a:r>
+            <a:endParaRPr b="0" lang="en-IN" sz="1800" spc="-1" strike="noStrike">
+              <a:latin typeface="Arial"/>
+            </a:endParaRPr>
+          </a:p>
+          <a:p>
+            <a:pPr marL="343080" indent="-342000">
               <a:lnSpc>
                 <a:spcPct val="100000"/>
               </a:lnSpc>
@@ -3194,6 +3349,81 @@
                 <a:latin typeface="Arial"/>
                 <a:ea typeface="DejaVu Sans"/>
               </a:rPr>
+              <a:t>Address-Success</a:t>
+            </a:r>
+            <a:endParaRPr b="0" lang="en-IN" sz="1800" spc="-1" strike="noStrike">
+              <a:latin typeface="Arial"/>
+            </a:endParaRPr>
+          </a:p>
+          <a:p>
+            <a:pPr marL="343080" indent="-342000">
+              <a:lnSpc>
+                <a:spcPct val="100000"/>
+              </a:lnSpc>
+              <a:buClr>
+                <a:srgbClr val="000000"/>
+              </a:buClr>
+              <a:buFont typeface="Arial"/>
+              <a:buAutoNum type="arabicParenR"/>
+            </a:pPr>
+            <a:r>
+              <a:rPr b="0" lang="en-IN" sz="1800" spc="-1" strike="noStrike">
+                <a:solidFill>
+                  <a:srgbClr val="000000"/>
+                </a:solidFill>
+                <a:latin typeface="Arial"/>
+                <a:ea typeface="DejaVu Sans"/>
+              </a:rPr>
+              <a:t>Memory-Store</a:t>
+            </a:r>
+            <a:endParaRPr b="0" lang="en-IN" sz="1800" spc="-1" strike="noStrike">
+              <a:latin typeface="Arial"/>
+            </a:endParaRPr>
+          </a:p>
+          <a:p>
+            <a:pPr marL="343080" indent="-342000">
+              <a:lnSpc>
+                <a:spcPct val="100000"/>
+              </a:lnSpc>
+              <a:buClr>
+                <a:srgbClr val="000000"/>
+              </a:buClr>
+              <a:buFont typeface="Arial"/>
+              <a:buAutoNum type="arabicParenR"/>
+            </a:pPr>
+            <a:r>
+              <a:rPr b="0" lang="en-IN" sz="1800" spc="-1" strike="noStrike">
+                <a:solidFill>
+                  <a:srgbClr val="000000"/>
+                </a:solidFill>
+                <a:latin typeface="Arial"/>
+                <a:ea typeface="DejaVu Sans"/>
+              </a:rPr>
+              <a:t>Memory-Recall</a:t>
+            </a:r>
+            <a:endParaRPr b="0" lang="en-IN" sz="1800" spc="-1" strike="noStrike">
+              <a:latin typeface="Arial"/>
+            </a:endParaRPr>
+          </a:p>
+          <a:p>
+            <a:pPr marL="343080" indent="-342000">
+              <a:lnSpc>
+                <a:spcPct val="100000"/>
+              </a:lnSpc>
+              <a:buClr>
+                <a:srgbClr val="000000"/>
+              </a:buClr>
+              <a:buFont typeface="Arial"/>
+              <a:buAutoNum type="arabicParenR"/>
+            </a:pPr>
+            <a:r>
+              <a:rPr b="0" lang="en-IN" sz="1800" spc="-1" strike="noStrike">
+                <a:solidFill>
+                  <a:srgbClr val="000000"/>
+                </a:solidFill>
+                <a:latin typeface="Arial"/>
+                <a:ea typeface="DejaVu Sans"/>
+              </a:rPr>
               <a:t>Memory-Predict</a:t>
             </a:r>
             <a:endParaRPr b="0" lang="en-IN" sz="1800" spc="-1" strike="noStrike">
@@ -3361,7 +3591,7 @@
         <p:spPr>
           <a:xfrm>
             <a:off x="709200" y="6851520"/>
-            <a:ext cx="5839200" cy="364320"/>
+            <a:ext cx="5838840" cy="363960"/>
           </a:xfrm>
           <a:prstGeom prst="rect">
             <a:avLst/>
@@ -3459,7 +3689,7 @@
         <p:spPr>
           <a:xfrm>
             <a:off x="2088000" y="971640"/>
-            <a:ext cx="1367280" cy="6192000"/>
+            <a:ext cx="1366920" cy="6191640"/>
           </a:xfrm>
           <a:prstGeom prst="rect">
             <a:avLst/>
@@ -3498,7 +3728,7 @@
         <p:spPr>
           <a:xfrm>
             <a:off x="3421440" y="971640"/>
-            <a:ext cx="1223280" cy="6192000"/>
+            <a:ext cx="1222920" cy="6191640"/>
           </a:xfrm>
           <a:prstGeom prst="rect">
             <a:avLst/>
@@ -3537,7 +3767,7 @@
         <p:spPr>
           <a:xfrm>
             <a:off x="4650480" y="971640"/>
-            <a:ext cx="1223280" cy="6192000"/>
+            <a:ext cx="1222920" cy="6191640"/>
           </a:xfrm>
           <a:prstGeom prst="rect">
             <a:avLst/>
@@ -3576,7 +3806,7 @@
         <p:spPr>
           <a:xfrm>
             <a:off x="5861160" y="971640"/>
-            <a:ext cx="1223280" cy="6192000"/>
+            <a:ext cx="1222920" cy="6191640"/>
           </a:xfrm>
           <a:prstGeom prst="rect">
             <a:avLst/>
@@ -3612,7 +3842,7 @@
         <p:spPr>
           <a:xfrm>
             <a:off x="7107120" y="971640"/>
-            <a:ext cx="1223280" cy="6192000"/>
+            <a:ext cx="1222920" cy="6191640"/>
           </a:xfrm>
           <a:prstGeom prst="rect">
             <a:avLst/>
@@ -3648,7 +3878,7 @@
         <p:spPr>
           <a:xfrm>
             <a:off x="8353080" y="971640"/>
-            <a:ext cx="1223280" cy="6192000"/>
+            <a:ext cx="1222920" cy="6191640"/>
           </a:xfrm>
           <a:prstGeom prst="rect">
             <a:avLst/>
@@ -3684,7 +3914,7 @@
         <p:spPr>
           <a:xfrm>
             <a:off x="3796200" y="1115640"/>
-            <a:ext cx="433800" cy="364320"/>
+            <a:ext cx="433440" cy="363960"/>
           </a:xfrm>
           <a:prstGeom prst="rect">
             <a:avLst/>
@@ -3733,7 +3963,7 @@
         <p:spPr>
           <a:xfrm>
             <a:off x="2486160" y="1115640"/>
-            <a:ext cx="433800" cy="364320"/>
+            <a:ext cx="433440" cy="363960"/>
           </a:xfrm>
           <a:prstGeom prst="rect">
             <a:avLst/>
@@ -3782,7 +4012,7 @@
         <p:spPr>
           <a:xfrm>
             <a:off x="5045400" y="1115640"/>
-            <a:ext cx="433800" cy="364320"/>
+            <a:ext cx="433440" cy="363960"/>
           </a:xfrm>
           <a:prstGeom prst="rect">
             <a:avLst/>
@@ -3831,7 +4061,7 @@
         <p:spPr>
           <a:xfrm>
             <a:off x="5905080" y="1115640"/>
-            <a:ext cx="1192680" cy="638640"/>
+            <a:ext cx="1192320" cy="638280"/>
           </a:xfrm>
           <a:prstGeom prst="rect">
             <a:avLst/>
@@ -3900,7 +4130,7 @@
         <p:spPr>
           <a:xfrm>
             <a:off x="7151040" y="1161720"/>
-            <a:ext cx="1192680" cy="638640"/>
+            <a:ext cx="1192320" cy="638280"/>
           </a:xfrm>
           <a:prstGeom prst="rect">
             <a:avLst/>
@@ -3969,7 +4199,7 @@
         <p:spPr>
           <a:xfrm>
             <a:off x="8397360" y="1197000"/>
-            <a:ext cx="1192680" cy="364320"/>
+            <a:ext cx="1192320" cy="363960"/>
           </a:xfrm>
           <a:prstGeom prst="rect">
             <a:avLst/>
@@ -4018,7 +4248,7 @@
         <p:spPr>
           <a:xfrm>
             <a:off x="3402720" y="3530160"/>
-            <a:ext cx="1217520" cy="912960"/>
+            <a:ext cx="1217160" cy="912600"/>
           </a:xfrm>
           <a:prstGeom prst="rect">
             <a:avLst/>
@@ -4067,7 +4297,7 @@
         <p:spPr>
           <a:xfrm>
             <a:off x="2072520" y="2606760"/>
-            <a:ext cx="1337400" cy="912960"/>
+            <a:ext cx="1337040" cy="912600"/>
           </a:xfrm>
           <a:prstGeom prst="rect">
             <a:avLst/>
@@ -4116,7 +4346,7 @@
         <p:spPr>
           <a:xfrm>
             <a:off x="4628160" y="4453560"/>
-            <a:ext cx="1244160" cy="912960"/>
+            <a:ext cx="1243800" cy="912600"/>
           </a:xfrm>
           <a:prstGeom prst="rect">
             <a:avLst/>
@@ -4165,7 +4395,7 @@
         <p:spPr>
           <a:xfrm>
             <a:off x="5798160" y="5376960"/>
-            <a:ext cx="1598040" cy="912960"/>
+            <a:ext cx="1597680" cy="912600"/>
           </a:xfrm>
           <a:prstGeom prst="rect">
             <a:avLst/>
@@ -4214,7 +4444,7 @@
         <p:spPr>
           <a:xfrm>
             <a:off x="7056360" y="3101040"/>
-            <a:ext cx="1776600" cy="912960"/>
+            <a:ext cx="1776240" cy="912600"/>
           </a:xfrm>
           <a:prstGeom prst="rect">
             <a:avLst/>
@@ -4263,7 +4493,7 @@
         <p:spPr>
           <a:xfrm>
             <a:off x="8312760" y="4036680"/>
-            <a:ext cx="1784520" cy="912960"/>
+            <a:ext cx="1784160" cy="912600"/>
           </a:xfrm>
           <a:prstGeom prst="rect">
             <a:avLst/>
@@ -4316,7 +4546,7 @@
         <p:spPr>
           <a:xfrm>
             <a:off x="289080" y="3641040"/>
-            <a:ext cx="1142280" cy="856440"/>
+            <a:ext cx="1141920" cy="856080"/>
           </a:xfrm>
           <a:prstGeom prst="rect">
             <a:avLst/>
@@ -4335,7 +4565,7 @@
         <p:spPr>
           <a:xfrm>
             <a:off x="2088000" y="1878120"/>
-            <a:ext cx="3702960" cy="455040"/>
+            <a:ext cx="3702600" cy="454680"/>
           </a:xfrm>
           <a:prstGeom prst="rect">
             <a:avLst/>
@@ -4386,7 +4616,7 @@
         <p:spPr>
           <a:xfrm>
             <a:off x="5959440" y="1979640"/>
-            <a:ext cx="3472560" cy="272520"/>
+            <a:ext cx="3472200" cy="272160"/>
           </a:xfrm>
           <a:prstGeom prst="rect">
             <a:avLst/>
@@ -4437,7 +4667,7 @@
         <p:spPr>
           <a:xfrm>
             <a:off x="1653840" y="3883320"/>
-            <a:ext cx="688320" cy="364320"/>
+            <a:ext cx="687960" cy="363960"/>
           </a:xfrm>
           <a:prstGeom prst="rect">
             <a:avLst/>
@@ -4486,7 +4716,7 @@
         <p:spPr>
           <a:xfrm>
             <a:off x="414720" y="3101040"/>
-            <a:ext cx="814680" cy="364320"/>
+            <a:ext cx="814320" cy="363960"/>
           </a:xfrm>
           <a:prstGeom prst="rect">
             <a:avLst/>
@@ -4535,7 +4765,7 @@
         <p:spPr>
           <a:xfrm>
             <a:off x="709200" y="6851520"/>
-            <a:ext cx="5839200" cy="364320"/>
+            <a:ext cx="5838840" cy="363960"/>
           </a:xfrm>
           <a:prstGeom prst="rect">
             <a:avLst/>
@@ -4584,6 +4814,575 @@
           <p:childTnLst>
             <p:seq>
               <p:cTn id="10" dur="indefinite" nodeType="mainSeq"/>
+              <p:prevCondLst>
+                <p:cond delay="0" evt="onPrev">
+                  <p:tgtEl>
+                    <p:sldTgt/>
+                  </p:tgtEl>
+                </p:cond>
+              </p:prevCondLst>
+              <p:nextCondLst>
+                <p:cond delay="0" evt="onNext">
+                  <p:tgtEl>
+                    <p:sldTgt/>
+                  </p:tgtEl>
+                </p:cond>
+              </p:nextCondLst>
+            </p:seq>
+          </p:childTnLst>
+        </p:cTn>
+      </p:par>
+    </p:tnLst>
+  </p:timing>
+</p:sld>
+</file>
+
+<file path=ppt/slides/slide6.xml><?xml version="1.0" encoding="utf-8"?>
+<p:sld xmlns:a="http://schemas.openxmlformats.org/drawingml/2006/main" xmlns:p="http://schemas.openxmlformats.org/presentationml/2006/main" xmlns:r="http://schemas.openxmlformats.org/officeDocument/2006/relationships" xmlns:p14="http://schemas.microsoft.com/office/powerpoint/2010/main" xmlns:p15="http://schemas.microsoft.com/office/powerpoint/2012/main" xmlns:mc="http://schemas.openxmlformats.org/markup-compatibility/2006">
+  <p:cSld>
+    <p:spTree>
+      <p:nvGrpSpPr>
+        <p:cNvPr id="1" name=""/>
+        <p:cNvGrpSpPr/>
+        <p:nvPr/>
+      </p:nvGrpSpPr>
+      <p:grpSpPr>
+        <a:xfrm>
+          <a:off x="0" y="0"/>
+          <a:ext cx="0" cy="0"/>
+          <a:chOff x="0" y="0"/>
+          <a:chExt cx="0" cy="0"/>
+        </a:xfrm>
+      </p:grpSpPr>
+      <p:sp>
+        <p:nvSpPr>
+          <p:cNvPr id="73" name="TextShape 1"/>
+          <p:cNvSpPr txBox="1"/>
+          <p:nvPr/>
+        </p:nvSpPr>
+        <p:spPr>
+          <a:xfrm>
+            <a:off x="4320000" y="1008000"/>
+            <a:ext cx="2832480" cy="346320"/>
+          </a:xfrm>
+          <a:prstGeom prst="rect">
+            <a:avLst/>
+          </a:prstGeom>
+          <a:noFill/>
+          <a:ln>
+            <a:noFill/>
+          </a:ln>
+        </p:spPr>
+        <p:txBody>
+          <a:bodyPr lIns="90000" rIns="90000" tIns="45000" bIns="45000"/>
+          <a:p>
+            <a:r>
+              <a:rPr b="0" lang="en-IN" sz="1800" spc="-1" strike="noStrike">
+                <a:latin typeface="Arial"/>
+              </a:rPr>
+              <a:t>Caretaker </a:t>
+            </a:r>
+            <a:r>
+              <a:rPr b="0" lang="en-IN" sz="1800" spc="-1" strike="noStrike">
+                <a:latin typeface="Arial"/>
+              </a:rPr>
+              <a:t>Data </a:t>
+            </a:r>
+            <a:r>
+              <a:rPr b="0" lang="en-IN" sz="1800" spc="-1" strike="noStrike">
+                <a:latin typeface="Arial"/>
+              </a:rPr>
+              <a:t>Structures</a:t>
+            </a:r>
+            <a:endParaRPr b="0" lang="en-IN" sz="1800" spc="-1" strike="noStrike">
+              <a:latin typeface="Arial"/>
+            </a:endParaRPr>
+          </a:p>
+        </p:txBody>
+      </p:sp>
+      <p:sp>
+        <p:nvSpPr>
+          <p:cNvPr id="74" name="TextShape 2"/>
+          <p:cNvSpPr txBox="1"/>
+          <p:nvPr/>
+        </p:nvSpPr>
+        <p:spPr>
+          <a:xfrm>
+            <a:off x="1080000" y="1800000"/>
+            <a:ext cx="8745480" cy="6233400"/>
+          </a:xfrm>
+          <a:prstGeom prst="rect">
+            <a:avLst/>
+          </a:prstGeom>
+          <a:noFill/>
+          <a:ln>
+            <a:noFill/>
+          </a:ln>
+        </p:spPr>
+        <p:txBody>
+          <a:bodyPr lIns="90000" rIns="90000" tIns="45000" bIns="45000"/>
+          <a:p>
+            <a:r>
+              <a:rPr b="0" lang="en-IN" sz="1800" spc="-1" strike="noStrike">
+                <a:latin typeface="Arial"/>
+              </a:rPr>
+              <a:t>Data Structures:</a:t>
+            </a:r>
+            <a:endParaRPr b="0" lang="en-IN" sz="1800" spc="-1" strike="noStrike">
+              <a:latin typeface="Arial"/>
+            </a:endParaRPr>
+          </a:p>
+          <a:p>
+            <a:endParaRPr b="0" lang="en-IN" sz="1800" spc="-1" strike="noStrike">
+              <a:latin typeface="Arial"/>
+            </a:endParaRPr>
+          </a:p>
+          <a:p>
+            <a:r>
+              <a:rPr b="0" lang="en-IN" sz="1800" spc="-1" strike="noStrike">
+                <a:latin typeface="Arial"/>
+              </a:rPr>
+              <a:t>1) Column Structures</a:t>
+            </a:r>
+            <a:endParaRPr b="0" lang="en-IN" sz="1800" spc="-1" strike="noStrike">
+              <a:latin typeface="Arial"/>
+            </a:endParaRPr>
+          </a:p>
+          <a:p>
+            <a:r>
+              <a:rPr b="0" lang="en-IN" sz="1800" spc="-1" strike="noStrike">
+                <a:latin typeface="Arial"/>
+              </a:rPr>
+              <a:t>2) Row Structures</a:t>
+            </a:r>
+            <a:endParaRPr b="0" lang="en-IN" sz="1800" spc="-1" strike="noStrike">
+              <a:latin typeface="Arial"/>
+            </a:endParaRPr>
+          </a:p>
+          <a:p>
+            <a:r>
+              <a:rPr b="0" lang="en-IN" sz="1800" spc="-1" strike="noStrike">
+                <a:latin typeface="Arial"/>
+              </a:rPr>
+              <a:t>3) Semantic Pointer e.g. (image thumbnail, SHA2 256-bit address, timestamp)</a:t>
+            </a:r>
+            <a:endParaRPr b="0" lang="en-IN" sz="1800" spc="-1" strike="noStrike">
+              <a:latin typeface="Arial"/>
+            </a:endParaRPr>
+          </a:p>
+          <a:p>
+            <a:r>
+              <a:rPr b="0" lang="en-IN" sz="1800" spc="-1" strike="noStrike">
+                <a:latin typeface="Arial"/>
+                <a:ea typeface="Noto Sans CJK SC"/>
+              </a:rPr>
+              <a:t>4) Associative Memory Recall, Content Addressable e.g. </a:t>
+            </a:r>
+            <a:r>
+              <a:rPr b="0" lang="en-IN" sz="1800" spc="-1" strike="noStrike">
+                <a:latin typeface="Arial"/>
+              </a:rPr>
+              <a:t>(image thumbnail, SHA2 </a:t>
+            </a:r>
+            <a:endParaRPr b="0" lang="en-IN" sz="1800" spc="-1" strike="noStrike">
+              <a:latin typeface="Arial"/>
+            </a:endParaRPr>
+          </a:p>
+          <a:p>
+            <a:r>
+              <a:rPr b="0" lang="en-IN" sz="1800" spc="-1" strike="noStrike">
+                <a:latin typeface="Arial"/>
+              </a:rPr>
+              <a:t>256-bit Address)</a:t>
+            </a:r>
+            <a:endParaRPr b="0" lang="en-IN" sz="1800" spc="-1" strike="noStrike">
+              <a:latin typeface="Arial"/>
+            </a:endParaRPr>
+          </a:p>
+          <a:p>
+            <a:r>
+              <a:rPr b="0" lang="en-IN" sz="1800" spc="-1" strike="noStrike">
+                <a:latin typeface="Arial"/>
+              </a:rPr>
+              <a:t>5) Similarity Grade Measure e.g. how close a pattern is matching</a:t>
+            </a:r>
+            <a:endParaRPr b="0" lang="en-IN" sz="1800" spc="-1" strike="noStrike">
+              <a:latin typeface="Arial"/>
+            </a:endParaRPr>
+          </a:p>
+          <a:p>
+            <a:endParaRPr b="0" lang="en-IN" sz="1800" spc="-1" strike="noStrike">
+              <a:latin typeface="Arial"/>
+            </a:endParaRPr>
+          </a:p>
+          <a:p>
+            <a:r>
+              <a:rPr b="0" lang="en-IN" sz="1800" spc="-1" strike="noStrike">
+                <a:latin typeface="Arial"/>
+              </a:rPr>
+              <a:t>Column Structure:</a:t>
+            </a:r>
+            <a:endParaRPr b="0" lang="en-IN" sz="1800" spc="-1" strike="noStrike">
+              <a:latin typeface="Arial"/>
+            </a:endParaRPr>
+          </a:p>
+          <a:p>
+            <a:endParaRPr b="0" lang="en-IN" sz="1800" spc="-1" strike="noStrike">
+              <a:latin typeface="Arial"/>
+            </a:endParaRPr>
+          </a:p>
+          <a:p>
+            <a:r>
+              <a:rPr b="0" lang="en-IN" sz="1800" spc="-1" strike="noStrike">
+                <a:latin typeface="Arial"/>
+              </a:rPr>
+              <a:t>1) Column Structure of one or more Trees of Column Structures and Row Structures.</a:t>
+            </a:r>
+            <a:endParaRPr b="0" lang="en-IN" sz="1800" spc="-1" strike="noStrike">
+              <a:latin typeface="Arial"/>
+            </a:endParaRPr>
+          </a:p>
+          <a:p>
+            <a:endParaRPr b="0" lang="en-IN" sz="1800" spc="-1" strike="noStrike">
+              <a:latin typeface="Arial"/>
+            </a:endParaRPr>
+          </a:p>
+          <a:p>
+            <a:r>
+              <a:rPr b="0" lang="en-IN" sz="1800" spc="-1" strike="noStrike">
+                <a:latin typeface="Arial"/>
+              </a:rPr>
+              <a:t>2) Nodes in Trees can be a Column Structure or Row Structure or Neural Network</a:t>
+            </a:r>
+            <a:endParaRPr b="0" lang="en-IN" sz="1800" spc="-1" strike="noStrike">
+              <a:latin typeface="Arial"/>
+            </a:endParaRPr>
+          </a:p>
+          <a:p>
+            <a:r>
+              <a:rPr b="0" lang="en-IN" sz="1800" spc="-1" strike="noStrike">
+                <a:latin typeface="Arial"/>
+              </a:rPr>
+              <a:t>Unit.</a:t>
+            </a:r>
+            <a:endParaRPr b="0" lang="en-IN" sz="1800" spc="-1" strike="noStrike">
+              <a:latin typeface="Arial"/>
+            </a:endParaRPr>
+          </a:p>
+          <a:p>
+            <a:endParaRPr b="0" lang="en-IN" sz="1800" spc="-1" strike="noStrike">
+              <a:latin typeface="Arial"/>
+            </a:endParaRPr>
+          </a:p>
+          <a:p>
+            <a:r>
+              <a:rPr b="0" lang="en-IN" sz="1800" spc="-1" strike="noStrike">
+                <a:latin typeface="Arial"/>
+              </a:rPr>
+              <a:t>3) A Tree can have one or more Nodes.</a:t>
+            </a:r>
+            <a:endParaRPr b="0" lang="en-IN" sz="1800" spc="-1" strike="noStrike">
+              <a:latin typeface="Arial"/>
+            </a:endParaRPr>
+          </a:p>
+          <a:p>
+            <a:endParaRPr b="0" lang="en-IN" sz="1800" spc="-1" strike="noStrike">
+              <a:latin typeface="Arial"/>
+            </a:endParaRPr>
+          </a:p>
+          <a:p>
+            <a:endParaRPr b="0" lang="en-IN" sz="1800" spc="-1" strike="noStrike">
+              <a:latin typeface="Arial"/>
+            </a:endParaRPr>
+          </a:p>
+          <a:p>
+            <a:endParaRPr b="0" lang="en-IN" sz="1800" spc="-1" strike="noStrike">
+              <a:latin typeface="Arial"/>
+            </a:endParaRPr>
+          </a:p>
+          <a:p>
+            <a:endParaRPr b="0" lang="en-IN" sz="1800" spc="-1" strike="noStrike">
+              <a:latin typeface="Arial"/>
+            </a:endParaRPr>
+          </a:p>
+          <a:p>
+            <a:endParaRPr b="0" lang="en-IN" sz="1800" spc="-1" strike="noStrike">
+              <a:latin typeface="Arial"/>
+            </a:endParaRPr>
+          </a:p>
+          <a:p>
+            <a:endParaRPr b="0" lang="en-IN" sz="1800" spc="-1" strike="noStrike">
+              <a:latin typeface="Arial"/>
+            </a:endParaRPr>
+          </a:p>
+          <a:p>
+            <a:endParaRPr b="0" lang="en-IN" sz="1800" spc="-1" strike="noStrike">
+              <a:latin typeface="Arial"/>
+            </a:endParaRPr>
+          </a:p>
+        </p:txBody>
+      </p:sp>
+      <p:sp>
+        <p:nvSpPr>
+          <p:cNvPr id="75" name="CustomShape 3"/>
+          <p:cNvSpPr/>
+          <p:nvPr/>
+        </p:nvSpPr>
+        <p:spPr>
+          <a:xfrm>
+            <a:off x="709200" y="6851520"/>
+            <a:ext cx="5838840" cy="363960"/>
+          </a:xfrm>
+          <a:prstGeom prst="rect">
+            <a:avLst/>
+          </a:prstGeom>
+          <a:noFill/>
+          <a:ln>
+            <a:noFill/>
+          </a:ln>
+        </p:spPr>
+        <p:style>
+          <a:lnRef idx="0"/>
+          <a:fillRef idx="0"/>
+          <a:effectRef idx="0"/>
+          <a:fontRef idx="minor"/>
+        </p:style>
+        <p:txBody>
+          <a:bodyPr wrap="none" lIns="90000" rIns="90000" tIns="45000" bIns="45000"/>
+          <a:p>
+            <a:pPr>
+              <a:lnSpc>
+                <a:spcPct val="100000"/>
+              </a:lnSpc>
+            </a:pPr>
+            <a:r>
+              <a:rPr b="0" lang="en-IN" sz="1800" spc="-1" strike="noStrike">
+                <a:solidFill>
+                  <a:srgbClr val="000000"/>
+                </a:solidFill>
+                <a:latin typeface="Arial"/>
+                <a:ea typeface="DejaVu Sans"/>
+              </a:rPr>
+              <a:t>Copyright © Dilshad Mustafa 2018. All Rights Reserved.</a:t>
+            </a:r>
+            <a:endParaRPr b="0" lang="en-IN" sz="1800" spc="-1" strike="noStrike">
+              <a:latin typeface="Arial"/>
+            </a:endParaRPr>
+          </a:p>
+        </p:txBody>
+      </p:sp>
+    </p:spTree>
+  </p:cSld>
+  <p:timing>
+    <p:tnLst>
+      <p:par>
+        <p:cTn id="11" dur="indefinite" restart="never" nodeType="tmRoot">
+          <p:childTnLst>
+            <p:seq>
+              <p:cTn id="12" dur="indefinite" nodeType="mainSeq"/>
+              <p:prevCondLst>
+                <p:cond delay="0" evt="onPrev">
+                  <p:tgtEl>
+                    <p:sldTgt/>
+                  </p:tgtEl>
+                </p:cond>
+              </p:prevCondLst>
+              <p:nextCondLst>
+                <p:cond delay="0" evt="onNext">
+                  <p:tgtEl>
+                    <p:sldTgt/>
+                  </p:tgtEl>
+                </p:cond>
+              </p:nextCondLst>
+            </p:seq>
+          </p:childTnLst>
+        </p:cTn>
+      </p:par>
+    </p:tnLst>
+  </p:timing>
+</p:sld>
+</file>
+
+<file path=ppt/slides/slide7.xml><?xml version="1.0" encoding="utf-8"?>
+<p:sld xmlns:a="http://schemas.openxmlformats.org/drawingml/2006/main" xmlns:p="http://schemas.openxmlformats.org/presentationml/2006/main" xmlns:r="http://schemas.openxmlformats.org/officeDocument/2006/relationships" xmlns:p14="http://schemas.microsoft.com/office/powerpoint/2010/main" xmlns:p15="http://schemas.microsoft.com/office/powerpoint/2012/main" xmlns:mc="http://schemas.openxmlformats.org/markup-compatibility/2006">
+  <p:cSld>
+    <p:spTree>
+      <p:nvGrpSpPr>
+        <p:cNvPr id="1" name=""/>
+        <p:cNvGrpSpPr/>
+        <p:nvPr/>
+      </p:nvGrpSpPr>
+      <p:grpSpPr>
+        <a:xfrm>
+          <a:off x="0" y="0"/>
+          <a:ext cx="0" cy="0"/>
+          <a:chOff x="0" y="0"/>
+          <a:chExt cx="0" cy="0"/>
+        </a:xfrm>
+      </p:grpSpPr>
+      <p:sp>
+        <p:nvSpPr>
+          <p:cNvPr id="76" name="TextShape 1"/>
+          <p:cNvSpPr txBox="1"/>
+          <p:nvPr/>
+        </p:nvSpPr>
+        <p:spPr>
+          <a:xfrm>
+            <a:off x="4320000" y="1008000"/>
+            <a:ext cx="3720960" cy="346320"/>
+          </a:xfrm>
+          <a:prstGeom prst="rect">
+            <a:avLst/>
+          </a:prstGeom>
+          <a:noFill/>
+          <a:ln>
+            <a:noFill/>
+          </a:ln>
+        </p:spPr>
+        <p:txBody>
+          <a:bodyPr lIns="90000" rIns="90000" tIns="45000" bIns="45000"/>
+          <a:p>
+            <a:r>
+              <a:rPr b="0" lang="en-IN" sz="1800" spc="-1" strike="noStrike">
+                <a:latin typeface="Arial"/>
+              </a:rPr>
+              <a:t>Caretaker Data Structures  (cont’d)</a:t>
+            </a:r>
+            <a:endParaRPr b="0" lang="en-IN" sz="1800" spc="-1" strike="noStrike">
+              <a:latin typeface="Arial"/>
+            </a:endParaRPr>
+          </a:p>
+        </p:txBody>
+      </p:sp>
+      <p:sp>
+        <p:nvSpPr>
+          <p:cNvPr id="77" name="TextShape 2"/>
+          <p:cNvSpPr txBox="1"/>
+          <p:nvPr/>
+        </p:nvSpPr>
+        <p:spPr>
+          <a:xfrm>
+            <a:off x="1080000" y="1800000"/>
+            <a:ext cx="8416440" cy="1626120"/>
+          </a:xfrm>
+          <a:prstGeom prst="rect">
+            <a:avLst/>
+          </a:prstGeom>
+          <a:noFill/>
+          <a:ln>
+            <a:noFill/>
+          </a:ln>
+        </p:spPr>
+        <p:txBody>
+          <a:bodyPr lIns="90000" rIns="90000" tIns="45000" bIns="45000"/>
+          <a:p>
+            <a:r>
+              <a:rPr b="0" lang="en-IN" sz="1800" spc="-1" strike="noStrike">
+                <a:latin typeface="Arial"/>
+              </a:rPr>
+              <a:t>Row Structure:</a:t>
+            </a:r>
+            <a:endParaRPr b="0" lang="en-IN" sz="1800" spc="-1" strike="noStrike">
+              <a:latin typeface="Arial"/>
+            </a:endParaRPr>
+          </a:p>
+          <a:p>
+            <a:endParaRPr b="0" lang="en-IN" sz="1800" spc="-1" strike="noStrike">
+              <a:latin typeface="Arial"/>
+            </a:endParaRPr>
+          </a:p>
+          <a:p>
+            <a:r>
+              <a:rPr b="0" lang="en-IN" sz="1800" spc="-1" strike="noStrike">
+                <a:latin typeface="Arial"/>
+              </a:rPr>
+              <a:t>1) Row Structure of one or more Trees of Column Structures and Row Structures.</a:t>
+            </a:r>
+            <a:endParaRPr b="0" lang="en-IN" sz="1800" spc="-1" strike="noStrike">
+              <a:latin typeface="Arial"/>
+            </a:endParaRPr>
+          </a:p>
+          <a:p>
+            <a:endParaRPr b="0" lang="en-IN" sz="1800" spc="-1" strike="noStrike">
+              <a:latin typeface="Arial"/>
+            </a:endParaRPr>
+          </a:p>
+          <a:p>
+            <a:r>
+              <a:rPr b="0" lang="en-IN" sz="1800" spc="-1" strike="noStrike">
+                <a:latin typeface="Arial"/>
+              </a:rPr>
+              <a:t>2) Row Structure can connect across Column Structures.</a:t>
+            </a:r>
+            <a:endParaRPr b="0" lang="en-IN" sz="1800" spc="-1" strike="noStrike">
+              <a:latin typeface="Arial"/>
+            </a:endParaRPr>
+          </a:p>
+          <a:p>
+            <a:endParaRPr b="0" lang="en-IN" sz="1800" spc="-1" strike="noStrike">
+              <a:latin typeface="Arial"/>
+            </a:endParaRPr>
+          </a:p>
+        </p:txBody>
+      </p:sp>
+      <p:sp>
+        <p:nvSpPr>
+          <p:cNvPr id="78" name="CustomShape 3"/>
+          <p:cNvSpPr/>
+          <p:nvPr/>
+        </p:nvSpPr>
+        <p:spPr>
+          <a:xfrm>
+            <a:off x="709200" y="6851520"/>
+            <a:ext cx="5838840" cy="363960"/>
+          </a:xfrm>
+          <a:prstGeom prst="rect">
+            <a:avLst/>
+          </a:prstGeom>
+          <a:noFill/>
+          <a:ln>
+            <a:noFill/>
+          </a:ln>
+        </p:spPr>
+        <p:style>
+          <a:lnRef idx="0"/>
+          <a:fillRef idx="0"/>
+          <a:effectRef idx="0"/>
+          <a:fontRef idx="minor"/>
+        </p:style>
+        <p:txBody>
+          <a:bodyPr wrap="none" lIns="90000" rIns="90000" tIns="45000" bIns="45000"/>
+          <a:p>
+            <a:pPr>
+              <a:lnSpc>
+                <a:spcPct val="100000"/>
+              </a:lnSpc>
+            </a:pPr>
+            <a:r>
+              <a:rPr b="0" lang="en-IN" sz="1800" spc="-1" strike="noStrike">
+                <a:solidFill>
+                  <a:srgbClr val="000000"/>
+                </a:solidFill>
+                <a:latin typeface="Arial"/>
+                <a:ea typeface="DejaVu Sans"/>
+              </a:rPr>
+              <a:t>Copyright © Dilshad Mustafa 2018. All Rights Reserved.</a:t>
+            </a:r>
+            <a:endParaRPr b="0" lang="en-IN" sz="1800" spc="-1" strike="noStrike">
+              <a:latin typeface="Arial"/>
+            </a:endParaRPr>
+          </a:p>
+        </p:txBody>
+      </p:sp>
+    </p:spTree>
+  </p:cSld>
+  <p:timing>
+    <p:tnLst>
+      <p:par>
+        <p:cTn id="13" dur="indefinite" restart="never" nodeType="tmRoot">
+          <p:childTnLst>
+            <p:seq>
+              <p:cTn id="14" dur="indefinite" nodeType="mainSeq"/>
               <p:prevCondLst>
                 <p:cond delay="0" evt="onPrev">
                   <p:tgtEl>
